--- a/gr2_lhj/user_w_hj_make_invest.pptx
+++ b/gr2_lhj/user_w_hj_make_invest.pptx
@@ -6546,7 +6546,6 @@
               <a:rPr lang="ko-KR" altLang="en-US" sz="1100" dirty="0"/>
               <a:t>품</a:t>
             </a:r>
-            <a:endParaRPr lang="ko-KR" altLang="en-US" sz="1100" dirty="0"/>
           </a:p>
         </p:txBody>
       </p:sp>
@@ -7393,7 +7392,7 @@
           <p:nvPr>
             <p:extLst>
               <p:ext uri="{D42A27DB-BD31-4B8C-83A1-F6EECF244321}">
-                <p14:modId xmlns:p14="http://schemas.microsoft.com/office/powerpoint/2010/main" val="4206498658"/>
+                <p14:modId xmlns:p14="http://schemas.microsoft.com/office/powerpoint/2010/main" val="462836389"/>
               </p:ext>
             </p:extLst>
           </p:nvPr>
@@ -7528,7 +7527,7 @@
                             <a:schemeClr val="dk1"/>
                           </a:solidFill>
                         </a:rPr>
-                        <a:t>user_w_hj_make_project</a:t>
+                        <a:t>user_m_hj_make_project</a:t>
                       </a:r>
                       <a:endParaRPr sz="1100" b="0" u="none" strike="noStrike" cap="none" dirty="0">
                         <a:solidFill>
@@ -8299,11 +8298,6 @@
               </a:rPr>
               <a:t>품</a:t>
             </a:r>
-            <a:endParaRPr lang="ko-KR" altLang="en-US" sz="1200" b="1" dirty="0">
-              <a:solidFill>
-                <a:srgbClr val="FF0000"/>
-              </a:solidFill>
-            </a:endParaRPr>
           </a:p>
         </p:txBody>
       </p:sp>
@@ -8968,11 +8962,7 @@
                       </a:r>
                       <a:r>
                         <a:rPr lang="ko-KR" altLang="en-US" sz="1300" b="0" u="none" strike="noStrike" cap="none" dirty="0" smtClean="0"/>
-                        <a:t>투자상품 </a:t>
-                      </a:r>
-                      <a:r>
-                        <a:rPr lang="ko-KR" altLang="en-US" sz="1300" b="0" u="none" strike="noStrike" cap="none" dirty="0" smtClean="0"/>
-                        <a:t>금액</a:t>
+                        <a:t>투자상품 금액</a:t>
                       </a:r>
                       <a:r>
                         <a:rPr lang="en-US" altLang="ko-KR" sz="1300" b="0" u="none" strike="noStrike" cap="none" dirty="0" smtClean="0"/>
@@ -8999,11 +8989,7 @@
                       </a:pPr>
                       <a:r>
                         <a:rPr lang="ko-KR" altLang="en-US" sz="1300" b="0" u="none" strike="noStrike" cap="none" dirty="0" smtClean="0"/>
-                        <a:t>투자상품 </a:t>
-                      </a:r>
-                      <a:r>
-                        <a:rPr lang="ko-KR" altLang="en-US" sz="1300" b="0" u="none" strike="noStrike" cap="none" dirty="0" smtClean="0"/>
-                        <a:t>제목</a:t>
+                        <a:t>투자상품 제목</a:t>
                       </a:r>
                       <a:r>
                         <a:rPr lang="en-US" altLang="ko-KR" sz="1300" b="0" u="none" strike="noStrike" cap="none" dirty="0" smtClean="0"/>
@@ -9030,11 +9016,7 @@
                       </a:pPr>
                       <a:r>
                         <a:rPr lang="ko-KR" altLang="en-US" sz="1300" b="0" u="none" strike="noStrike" cap="none" dirty="0" smtClean="0"/>
-                        <a:t>투자 </a:t>
-                      </a:r>
-                      <a:r>
-                        <a:rPr lang="ko-KR" altLang="en-US" sz="1300" b="0" u="none" strike="noStrike" cap="none" dirty="0" smtClean="0"/>
-                        <a:t>내용</a:t>
+                        <a:t>투자 내용</a:t>
                       </a:r>
                       <a:r>
                         <a:rPr lang="en-US" altLang="ko-KR" sz="1300" b="0" u="none" strike="noStrike" cap="none" dirty="0" smtClean="0"/>
@@ -9061,11 +9043,7 @@
                       </a:pPr>
                       <a:r>
                         <a:rPr lang="ko-KR" altLang="en-US" sz="1300" b="0" u="none" strike="noStrike" cap="none" dirty="0" smtClean="0"/>
-                        <a:t>투자 </a:t>
-                      </a:r>
-                      <a:r>
-                        <a:rPr lang="ko-KR" altLang="en-US" sz="1300" b="0" u="none" strike="noStrike" cap="none" dirty="0" smtClean="0"/>
-                        <a:t>옵션</a:t>
+                        <a:t>투자 옵션</a:t>
                       </a:r>
                       <a:r>
                         <a:rPr lang="en-US" altLang="ko-KR" sz="1300" b="0" u="none" strike="noStrike" cap="none" dirty="0" smtClean="0"/>
@@ -9094,7 +9072,6 @@
                         <a:rPr lang="en-US" altLang="ko-KR" sz="1300" b="0" u="none" strike="noStrike" cap="none" dirty="0" smtClean="0"/>
                         <a:t>)</a:t>
                       </a:r>
-                      <a:endParaRPr lang="en-US" altLang="ko-KR" sz="1300" b="0" u="none" strike="noStrike" cap="none" dirty="0" smtClean="0"/>
                     </a:p>
                   </a:txBody>
                   <a:tcPr marL="74304" marR="74304" marT="45725" marB="45725">
@@ -9190,11 +9167,7 @@
               </a:r>
               <a:r>
                 <a:rPr lang="ko-KR" altLang="en-US" sz="1200" dirty="0" smtClean="0"/>
-                <a:t> </a:t>
-              </a:r>
-              <a:r>
-                <a:rPr lang="ko-KR" altLang="en-US" sz="1200" dirty="0" smtClean="0"/>
-                <a:t>구성해주세요</a:t>
+                <a:t> 구성해주세요</a:t>
               </a:r>
               <a:endParaRPr lang="ko-KR" altLang="en-US" sz="900" dirty="0"/>
             </a:p>
@@ -9334,15 +9307,7 @@
             <a:p>
               <a:r>
                 <a:rPr lang="ko-KR" altLang="en-US" sz="1200" dirty="0" smtClean="0"/>
-                <a:t>투자</a:t>
-              </a:r>
-              <a:r>
-                <a:rPr lang="ko-KR" altLang="en-US" sz="1200" dirty="0" smtClean="0"/>
-                <a:t> </a:t>
-              </a:r>
-              <a:r>
-                <a:rPr lang="ko-KR" altLang="en-US" sz="1200" dirty="0" smtClean="0"/>
-                <a:t>금액</a:t>
+                <a:t>투자 금액</a:t>
               </a:r>
               <a:endParaRPr lang="ko-KR" altLang="en-US" sz="900" dirty="0"/>
             </a:p>
@@ -9372,11 +9337,7 @@
             <a:p>
               <a:r>
                 <a:rPr lang="ko-KR" altLang="en-US" sz="1200" dirty="0" smtClean="0"/>
-                <a:t>상품 </a:t>
-              </a:r>
-              <a:r>
-                <a:rPr lang="ko-KR" altLang="en-US" sz="1200" dirty="0" smtClean="0"/>
-                <a:t>제목</a:t>
+                <a:t>상품 제목</a:t>
               </a:r>
               <a:endParaRPr lang="ko-KR" altLang="en-US" sz="900" dirty="0"/>
             </a:p>
@@ -9456,11 +9417,7 @@
             <a:p>
               <a:r>
                 <a:rPr lang="ko-KR" altLang="en-US" sz="1200" dirty="0" smtClean="0"/>
-                <a:t>상품 </a:t>
-              </a:r>
-              <a:r>
-                <a:rPr lang="ko-KR" altLang="en-US" sz="1200" dirty="0" smtClean="0"/>
-                <a:t>내용</a:t>
+                <a:t>상품 내용</a:t>
               </a:r>
               <a:endParaRPr lang="ko-KR" altLang="en-US" sz="900" dirty="0"/>
             </a:p>
@@ -9548,11 +9505,7 @@
               </a:r>
               <a:r>
                 <a:rPr lang="ko-KR" altLang="en-US" sz="1200" dirty="0" smtClean="0"/>
-                <a:t> </a:t>
-              </a:r>
-              <a:r>
-                <a:rPr lang="ko-KR" altLang="en-US" sz="1200" dirty="0" smtClean="0"/>
-                <a:t>옵션</a:t>
+                <a:t> 옵션</a:t>
               </a:r>
               <a:endParaRPr lang="ko-KR" altLang="en-US" sz="900" dirty="0"/>
             </a:p>
@@ -9606,23 +9559,7 @@
                     <a:schemeClr val="tx1"/>
                   </a:solidFill>
                 </a:rPr>
-                <a:t>투자 </a:t>
-              </a:r>
-              <a:r>
-                <a:rPr lang="ko-KR" altLang="en-US" sz="1000" dirty="0" smtClean="0">
-                  <a:solidFill>
-                    <a:schemeClr val="tx1"/>
-                  </a:solidFill>
-                </a:rPr>
-                <a:t>옵션 </a:t>
-              </a:r>
-              <a:r>
-                <a:rPr lang="ko-KR" altLang="en-US" sz="1000" dirty="0" smtClean="0">
-                  <a:solidFill>
-                    <a:schemeClr val="tx1"/>
-                  </a:solidFill>
-                </a:rPr>
-                <a:t>추가하기</a:t>
+                <a:t>투자 옵션 추가하기</a:t>
               </a:r>
               <a:endParaRPr lang="ko-KR" altLang="en-US" sz="1000" dirty="0">
                 <a:solidFill>
@@ -9839,7 +9776,7 @@
           <p:nvPr>
             <p:extLst>
               <p:ext uri="{D42A27DB-BD31-4B8C-83A1-F6EECF244321}">
-                <p14:modId xmlns:p14="http://schemas.microsoft.com/office/powerpoint/2010/main" val="2569963092"/>
+                <p14:modId xmlns:p14="http://schemas.microsoft.com/office/powerpoint/2010/main" val="1232833306"/>
               </p:ext>
             </p:extLst>
           </p:nvPr>
@@ -9974,7 +9911,7 @@
                             <a:schemeClr val="dk1"/>
                           </a:solidFill>
                         </a:rPr>
-                        <a:t>user_w_hj_make_project</a:t>
+                        <a:t>user_m_hj_make_project</a:t>
                       </a:r>
                       <a:endParaRPr sz="1100" b="0" u="none" strike="noStrike" cap="none" dirty="0">
                         <a:solidFill>
@@ -10745,11 +10682,6 @@
               </a:rPr>
               <a:t>품</a:t>
             </a:r>
-            <a:endParaRPr lang="ko-KR" altLang="en-US" sz="1200" b="1" dirty="0">
-              <a:solidFill>
-                <a:srgbClr val="FF0000"/>
-              </a:solidFill>
-            </a:endParaRPr>
           </a:p>
         </p:txBody>
       </p:sp>
@@ -11519,11 +11451,7 @@
             <a:p>
               <a:r>
                 <a:rPr lang="ko-KR" altLang="en-US" sz="1200" dirty="0" smtClean="0"/>
-                <a:t>등록된 </a:t>
-              </a:r>
-              <a:r>
-                <a:rPr lang="ko-KR" altLang="en-US" sz="1200" dirty="0" smtClean="0"/>
-                <a:t>투자상</a:t>
+                <a:t>등록된 투자상</a:t>
               </a:r>
               <a:r>
                 <a:rPr lang="ko-KR" altLang="en-US" sz="1200" dirty="0"/>
@@ -11791,7 +11719,7 @@
           <p:nvPr>
             <p:extLst>
               <p:ext uri="{D42A27DB-BD31-4B8C-83A1-F6EECF244321}">
-                <p14:modId xmlns:p14="http://schemas.microsoft.com/office/powerpoint/2010/main" val="2569963092"/>
+                <p14:modId xmlns:p14="http://schemas.microsoft.com/office/powerpoint/2010/main" val="3825546860"/>
               </p:ext>
             </p:extLst>
           </p:nvPr>
@@ -11926,7 +11854,7 @@
                             <a:schemeClr val="dk1"/>
                           </a:solidFill>
                         </a:rPr>
-                        <a:t>user_w_hj_make_project</a:t>
+                        <a:t>user_m_hj_make_project</a:t>
                       </a:r>
                       <a:endParaRPr sz="1100" b="0" u="none" strike="noStrike" cap="none" dirty="0">
                         <a:solidFill>
@@ -12689,7 +12617,6 @@
               <a:rPr lang="ko-KR" altLang="en-US" sz="1200" b="1" dirty="0"/>
               <a:t>품</a:t>
             </a:r>
-            <a:endParaRPr lang="ko-KR" altLang="en-US" sz="1200" b="1" dirty="0"/>
           </a:p>
         </p:txBody>
       </p:sp>
@@ -15176,7 +15103,6 @@
               <a:rPr lang="ko-KR" altLang="en-US" sz="1100" dirty="0"/>
               <a:t>품</a:t>
             </a:r>
-            <a:endParaRPr lang="ko-KR" altLang="en-US" sz="1100" dirty="0"/>
           </a:p>
         </p:txBody>
       </p:sp>
@@ -17585,7 +17511,6 @@
               <a:rPr lang="ko-KR" altLang="en-US" sz="1100" dirty="0"/>
               <a:t>품</a:t>
             </a:r>
-            <a:endParaRPr lang="ko-KR" altLang="en-US" sz="1100" dirty="0"/>
           </a:p>
         </p:txBody>
       </p:sp>
@@ -19650,11 +19575,7 @@
                       </a:r>
                       <a:r>
                         <a:rPr lang="ko-KR" altLang="en-US" sz="1300" b="0" u="none" strike="noStrike" cap="none" dirty="0" smtClean="0"/>
-                        <a:t>투자 </a:t>
-                      </a:r>
-                      <a:r>
-                        <a:rPr lang="ko-KR" altLang="en-US" sz="1300" b="0" u="none" strike="noStrike" cap="none" dirty="0" smtClean="0"/>
-                        <a:t>금액</a:t>
+                        <a:t>투자 금액</a:t>
                       </a:r>
                       <a:r>
                         <a:rPr lang="en-US" altLang="ko-KR" sz="1300" b="0" u="none" strike="noStrike" cap="none" dirty="0" smtClean="0"/>
@@ -19681,11 +19602,7 @@
                       </a:pPr>
                       <a:r>
                         <a:rPr lang="ko-KR" altLang="en-US" sz="1300" b="0" u="none" strike="noStrike" cap="none" dirty="0" smtClean="0"/>
-                        <a:t>투자 상품 </a:t>
-                      </a:r>
-                      <a:r>
-                        <a:rPr lang="ko-KR" altLang="en-US" sz="1300" b="0" u="none" strike="noStrike" cap="none" dirty="0" smtClean="0"/>
-                        <a:t>제목</a:t>
+                        <a:t>투자 상품 제목</a:t>
                       </a:r>
                       <a:r>
                         <a:rPr lang="en-US" altLang="ko-KR" sz="1300" b="0" u="none" strike="noStrike" cap="none" dirty="0" smtClean="0"/>
@@ -19712,11 +19629,7 @@
                       </a:pPr>
                       <a:r>
                         <a:rPr lang="ko-KR" altLang="en-US" sz="1300" b="0" u="none" strike="noStrike" cap="none" dirty="0" smtClean="0"/>
-                        <a:t>투자 상품 </a:t>
-                      </a:r>
-                      <a:r>
-                        <a:rPr lang="ko-KR" altLang="en-US" sz="1300" b="0" u="none" strike="noStrike" cap="none" dirty="0" smtClean="0"/>
-                        <a:t>내용</a:t>
+                        <a:t>투자 상품 내용</a:t>
                       </a:r>
                       <a:r>
                         <a:rPr lang="en-US" altLang="ko-KR" sz="1300" b="0" u="none" strike="noStrike" cap="none" dirty="0" smtClean="0"/>
@@ -19745,7 +19658,6 @@
                         <a:rPr lang="en-US" altLang="ko-KR" sz="1300" b="0" u="none" strike="noStrike" cap="none" dirty="0" smtClean="0"/>
                         <a:t>)</a:t>
                       </a:r>
-                      <a:endParaRPr lang="en-US" altLang="ko-KR" sz="1300" b="0" u="none" strike="noStrike" cap="none" dirty="0" smtClean="0"/>
                     </a:p>
                   </a:txBody>
                   <a:tcPr marL="74304" marR="74304" marT="45725" marB="45725">
@@ -20191,15 +20103,7 @@
           <a:p>
             <a:r>
               <a:rPr lang="ko-KR" altLang="en-US" sz="1200" dirty="0" smtClean="0"/>
-              <a:t>투자 상품을</a:t>
-            </a:r>
-            <a:r>
-              <a:rPr lang="ko-KR" altLang="en-US" sz="1200" dirty="0" smtClean="0"/>
-              <a:t> </a:t>
-            </a:r>
-            <a:r>
-              <a:rPr lang="ko-KR" altLang="en-US" sz="1200" dirty="0" smtClean="0"/>
-              <a:t>구성해주세요</a:t>
+              <a:t>투자 상품을 구성해주세요</a:t>
             </a:r>
             <a:endParaRPr lang="ko-KR" altLang="en-US" sz="900" dirty="0"/>
           </a:p>
@@ -20369,11 +20273,7 @@
           <a:p>
             <a:r>
               <a:rPr lang="ko-KR" altLang="en-US" sz="1200" dirty="0" smtClean="0"/>
-              <a:t>투자 </a:t>
-            </a:r>
-            <a:r>
-              <a:rPr lang="ko-KR" altLang="en-US" sz="1200" dirty="0" smtClean="0"/>
-              <a:t>내용</a:t>
+              <a:t>투자 내용</a:t>
             </a:r>
             <a:endParaRPr lang="ko-KR" altLang="en-US" sz="900" dirty="0"/>
           </a:p>
@@ -21064,15 +20964,7 @@
           <a:p>
             <a:r>
               <a:rPr lang="ko-KR" altLang="en-US" sz="1200" dirty="0" smtClean="0"/>
-              <a:t>투자</a:t>
-            </a:r>
-            <a:r>
-              <a:rPr lang="ko-KR" altLang="en-US" sz="1200" dirty="0" smtClean="0"/>
-              <a:t> </a:t>
-            </a:r>
-            <a:r>
-              <a:rPr lang="ko-KR" altLang="en-US" sz="1200" dirty="0" smtClean="0"/>
-              <a:t>금액</a:t>
+              <a:t>투자 금액</a:t>
             </a:r>
             <a:endParaRPr lang="ko-KR" altLang="en-US" sz="900" dirty="0"/>
           </a:p>
@@ -21192,15 +21084,7 @@
                   <a:schemeClr val="tx1"/>
                 </a:solidFill>
               </a:rPr>
-              <a:t>옵션 </a:t>
-            </a:r>
-            <a:r>
-              <a:rPr lang="ko-KR" altLang="en-US" sz="1000" dirty="0" smtClean="0">
-                <a:solidFill>
-                  <a:schemeClr val="tx1"/>
-                </a:solidFill>
-              </a:rPr>
-              <a:t>추가하기</a:t>
+              <a:t>옵션 추가하기</a:t>
             </a:r>
             <a:endParaRPr lang="ko-KR" altLang="en-US" sz="1000" dirty="0">
               <a:solidFill>
@@ -21242,11 +21126,7 @@
             </a:r>
             <a:r>
               <a:rPr lang="ko-KR" altLang="en-US" sz="1200" dirty="0" smtClean="0"/>
-              <a:t> </a:t>
-            </a:r>
-            <a:r>
-              <a:rPr lang="ko-KR" altLang="en-US" sz="1200" dirty="0" smtClean="0"/>
-              <a:t>옵션</a:t>
+              <a:t> 옵션</a:t>
             </a:r>
             <a:endParaRPr lang="ko-KR" altLang="en-US" sz="900" dirty="0"/>
           </a:p>
@@ -22126,11 +22006,7 @@
                       </a:r>
                       <a:r>
                         <a:rPr lang="ko-KR" altLang="en-US" sz="1300" b="0" u="none" strike="noStrike" cap="none" dirty="0" smtClean="0"/>
-                        <a:t>등록된 </a:t>
-                      </a:r>
-                      <a:r>
-                        <a:rPr lang="ko-KR" altLang="en-US" sz="1300" b="0" u="none" strike="noStrike" cap="none" dirty="0" smtClean="0"/>
-                        <a:t>투자상품</a:t>
+                        <a:t>등록된 투자상품</a:t>
                       </a:r>
                       <a:endParaRPr lang="en-US" altLang="ko-KR" sz="1300" b="0" u="none" strike="noStrike" cap="none" dirty="0" smtClean="0"/>
                     </a:p>
@@ -22623,11 +22499,7 @@
             <a:p>
               <a:r>
                 <a:rPr lang="ko-KR" altLang="en-US" sz="1200" dirty="0" smtClean="0"/>
-                <a:t>등록된 </a:t>
-              </a:r>
-              <a:r>
-                <a:rPr lang="ko-KR" altLang="en-US" sz="1200" dirty="0" smtClean="0"/>
-                <a:t>투자상</a:t>
+                <a:t>등록된 투자상</a:t>
               </a:r>
               <a:r>
                 <a:rPr lang="ko-KR" altLang="en-US" sz="1200" dirty="0"/>
@@ -24472,7 +24344,6 @@
               <a:rPr lang="ko-KR" altLang="en-US" sz="1100" dirty="0"/>
               <a:t>품</a:t>
             </a:r>
-            <a:endParaRPr lang="ko-KR" altLang="en-US" sz="1100" dirty="0"/>
           </a:p>
         </p:txBody>
       </p:sp>
@@ -25704,7 +25575,7 @@
           <p:nvPr>
             <p:extLst>
               <p:ext uri="{D42A27DB-BD31-4B8C-83A1-F6EECF244321}">
-                <p14:modId xmlns:p14="http://schemas.microsoft.com/office/powerpoint/2010/main" val="4163716661"/>
+                <p14:modId xmlns:p14="http://schemas.microsoft.com/office/powerpoint/2010/main" val="4116374263"/>
               </p:ext>
             </p:extLst>
           </p:nvPr>
@@ -25839,7 +25710,7 @@
                             <a:schemeClr val="dk1"/>
                           </a:solidFill>
                         </a:rPr>
-                        <a:t>user_w_hj_make_invest</a:t>
+                        <a:t>user_m_hj_make_invest</a:t>
                       </a:r>
                       <a:endParaRPr sz="1100" b="0" u="none" strike="noStrike" cap="none" dirty="0">
                         <a:solidFill>
@@ -27244,7 +27115,6 @@
               <a:rPr lang="ko-KR" altLang="en-US" sz="1200" b="1" dirty="0"/>
               <a:t>품</a:t>
             </a:r>
-            <a:endParaRPr lang="ko-KR" altLang="en-US" sz="1200" b="1" dirty="0"/>
           </a:p>
         </p:txBody>
       </p:sp>
@@ -28098,7 +27968,7 @@
           <p:nvPr>
             <p:extLst>
               <p:ext uri="{D42A27DB-BD31-4B8C-83A1-F6EECF244321}">
-                <p14:modId xmlns:p14="http://schemas.microsoft.com/office/powerpoint/2010/main" val="2627309010"/>
+                <p14:modId xmlns:p14="http://schemas.microsoft.com/office/powerpoint/2010/main" val="3104689755"/>
               </p:ext>
             </p:extLst>
           </p:nvPr>
@@ -28233,7 +28103,7 @@
                             <a:schemeClr val="dk1"/>
                           </a:solidFill>
                         </a:rPr>
-                        <a:t>user_w_hj_make_invest</a:t>
+                        <a:t>user_m_hj_make_invest</a:t>
                       </a:r>
                       <a:endParaRPr sz="1100" b="0" u="none" strike="noStrike" cap="none" dirty="0">
                         <a:solidFill>
@@ -30415,7 +30285,7 @@
           <p:nvPr>
             <p:extLst>
               <p:ext uri="{D42A27DB-BD31-4B8C-83A1-F6EECF244321}">
-                <p14:modId xmlns:p14="http://schemas.microsoft.com/office/powerpoint/2010/main" val="1519205950"/>
+                <p14:modId xmlns:p14="http://schemas.microsoft.com/office/powerpoint/2010/main" val="2498763366"/>
               </p:ext>
             </p:extLst>
           </p:nvPr>
@@ -30550,7 +30420,7 @@
                             <a:schemeClr val="dk1"/>
                           </a:solidFill>
                         </a:rPr>
-                        <a:t>user_w_hj_make_invest</a:t>
+                        <a:t>user_m_hj_make_invest</a:t>
                       </a:r>
                       <a:endParaRPr sz="1100" b="0" u="none" strike="noStrike" cap="none" dirty="0">
                         <a:solidFill>

--- a/gr2_lhj/user_w_hj_make_invest.pptx
+++ b/gr2_lhj/user_w_hj_make_invest.pptx
@@ -6546,6 +6546,7 @@
               <a:rPr lang="ko-KR" altLang="en-US" sz="1100" dirty="0"/>
               <a:t>품</a:t>
             </a:r>
+            <a:endParaRPr lang="ko-KR" altLang="en-US" sz="1100" dirty="0"/>
           </a:p>
         </p:txBody>
       </p:sp>
@@ -7392,7 +7393,7 @@
           <p:nvPr>
             <p:extLst>
               <p:ext uri="{D42A27DB-BD31-4B8C-83A1-F6EECF244321}">
-                <p14:modId xmlns:p14="http://schemas.microsoft.com/office/powerpoint/2010/main" val="462836389"/>
+                <p14:modId xmlns:p14="http://schemas.microsoft.com/office/powerpoint/2010/main" val="4206498658"/>
               </p:ext>
             </p:extLst>
           </p:nvPr>
@@ -7527,7 +7528,7 @@
                             <a:schemeClr val="dk1"/>
                           </a:solidFill>
                         </a:rPr>
-                        <a:t>user_m_hj_make_project</a:t>
+                        <a:t>user_w_hj_make_project</a:t>
                       </a:r>
                       <a:endParaRPr sz="1100" b="0" u="none" strike="noStrike" cap="none" dirty="0">
                         <a:solidFill>
@@ -8298,6 +8299,11 @@
               </a:rPr>
               <a:t>품</a:t>
             </a:r>
+            <a:endParaRPr lang="ko-KR" altLang="en-US" sz="1200" b="1" dirty="0">
+              <a:solidFill>
+                <a:srgbClr val="FF0000"/>
+              </a:solidFill>
+            </a:endParaRPr>
           </a:p>
         </p:txBody>
       </p:sp>
@@ -8962,7 +8968,11 @@
                       </a:r>
                       <a:r>
                         <a:rPr lang="ko-KR" altLang="en-US" sz="1300" b="0" u="none" strike="noStrike" cap="none" dirty="0" smtClean="0"/>
-                        <a:t>투자상품 금액</a:t>
+                        <a:t>투자상품 </a:t>
+                      </a:r>
+                      <a:r>
+                        <a:rPr lang="ko-KR" altLang="en-US" sz="1300" b="0" u="none" strike="noStrike" cap="none" dirty="0" smtClean="0"/>
+                        <a:t>금액</a:t>
                       </a:r>
                       <a:r>
                         <a:rPr lang="en-US" altLang="ko-KR" sz="1300" b="0" u="none" strike="noStrike" cap="none" dirty="0" smtClean="0"/>
@@ -8989,7 +8999,11 @@
                       </a:pPr>
                       <a:r>
                         <a:rPr lang="ko-KR" altLang="en-US" sz="1300" b="0" u="none" strike="noStrike" cap="none" dirty="0" smtClean="0"/>
-                        <a:t>투자상품 제목</a:t>
+                        <a:t>투자상품 </a:t>
+                      </a:r>
+                      <a:r>
+                        <a:rPr lang="ko-KR" altLang="en-US" sz="1300" b="0" u="none" strike="noStrike" cap="none" dirty="0" smtClean="0"/>
+                        <a:t>제목</a:t>
                       </a:r>
                       <a:r>
                         <a:rPr lang="en-US" altLang="ko-KR" sz="1300" b="0" u="none" strike="noStrike" cap="none" dirty="0" smtClean="0"/>
@@ -9016,7 +9030,11 @@
                       </a:pPr>
                       <a:r>
                         <a:rPr lang="ko-KR" altLang="en-US" sz="1300" b="0" u="none" strike="noStrike" cap="none" dirty="0" smtClean="0"/>
-                        <a:t>투자 내용</a:t>
+                        <a:t>투자 </a:t>
+                      </a:r>
+                      <a:r>
+                        <a:rPr lang="ko-KR" altLang="en-US" sz="1300" b="0" u="none" strike="noStrike" cap="none" dirty="0" smtClean="0"/>
+                        <a:t>내용</a:t>
                       </a:r>
                       <a:r>
                         <a:rPr lang="en-US" altLang="ko-KR" sz="1300" b="0" u="none" strike="noStrike" cap="none" dirty="0" smtClean="0"/>
@@ -9043,7 +9061,11 @@
                       </a:pPr>
                       <a:r>
                         <a:rPr lang="ko-KR" altLang="en-US" sz="1300" b="0" u="none" strike="noStrike" cap="none" dirty="0" smtClean="0"/>
-                        <a:t>투자 옵션</a:t>
+                        <a:t>투자 </a:t>
+                      </a:r>
+                      <a:r>
+                        <a:rPr lang="ko-KR" altLang="en-US" sz="1300" b="0" u="none" strike="noStrike" cap="none" dirty="0" smtClean="0"/>
+                        <a:t>옵션</a:t>
                       </a:r>
                       <a:r>
                         <a:rPr lang="en-US" altLang="ko-KR" sz="1300" b="0" u="none" strike="noStrike" cap="none" dirty="0" smtClean="0"/>
@@ -9072,6 +9094,7 @@
                         <a:rPr lang="en-US" altLang="ko-KR" sz="1300" b="0" u="none" strike="noStrike" cap="none" dirty="0" smtClean="0"/>
                         <a:t>)</a:t>
                       </a:r>
+                      <a:endParaRPr lang="en-US" altLang="ko-KR" sz="1300" b="0" u="none" strike="noStrike" cap="none" dirty="0" smtClean="0"/>
                     </a:p>
                   </a:txBody>
                   <a:tcPr marL="74304" marR="74304" marT="45725" marB="45725">
@@ -9167,7 +9190,11 @@
               </a:r>
               <a:r>
                 <a:rPr lang="ko-KR" altLang="en-US" sz="1200" dirty="0" smtClean="0"/>
-                <a:t> 구성해주세요</a:t>
+                <a:t> </a:t>
+              </a:r>
+              <a:r>
+                <a:rPr lang="ko-KR" altLang="en-US" sz="1200" dirty="0" smtClean="0"/>
+                <a:t>구성해주세요</a:t>
               </a:r>
               <a:endParaRPr lang="ko-KR" altLang="en-US" sz="900" dirty="0"/>
             </a:p>
@@ -9307,7 +9334,15 @@
             <a:p>
               <a:r>
                 <a:rPr lang="ko-KR" altLang="en-US" sz="1200" dirty="0" smtClean="0"/>
-                <a:t>투자 금액</a:t>
+                <a:t>투자</a:t>
+              </a:r>
+              <a:r>
+                <a:rPr lang="ko-KR" altLang="en-US" sz="1200" dirty="0" smtClean="0"/>
+                <a:t> </a:t>
+              </a:r>
+              <a:r>
+                <a:rPr lang="ko-KR" altLang="en-US" sz="1200" dirty="0" smtClean="0"/>
+                <a:t>금액</a:t>
               </a:r>
               <a:endParaRPr lang="ko-KR" altLang="en-US" sz="900" dirty="0"/>
             </a:p>
@@ -9337,7 +9372,11 @@
             <a:p>
               <a:r>
                 <a:rPr lang="ko-KR" altLang="en-US" sz="1200" dirty="0" smtClean="0"/>
-                <a:t>상품 제목</a:t>
+                <a:t>상품 </a:t>
+              </a:r>
+              <a:r>
+                <a:rPr lang="ko-KR" altLang="en-US" sz="1200" dirty="0" smtClean="0"/>
+                <a:t>제목</a:t>
               </a:r>
               <a:endParaRPr lang="ko-KR" altLang="en-US" sz="900" dirty="0"/>
             </a:p>
@@ -9417,7 +9456,11 @@
             <a:p>
               <a:r>
                 <a:rPr lang="ko-KR" altLang="en-US" sz="1200" dirty="0" smtClean="0"/>
-                <a:t>상품 내용</a:t>
+                <a:t>상품 </a:t>
+              </a:r>
+              <a:r>
+                <a:rPr lang="ko-KR" altLang="en-US" sz="1200" dirty="0" smtClean="0"/>
+                <a:t>내용</a:t>
               </a:r>
               <a:endParaRPr lang="ko-KR" altLang="en-US" sz="900" dirty="0"/>
             </a:p>
@@ -9505,7 +9548,11 @@
               </a:r>
               <a:r>
                 <a:rPr lang="ko-KR" altLang="en-US" sz="1200" dirty="0" smtClean="0"/>
-                <a:t> 옵션</a:t>
+                <a:t> </a:t>
+              </a:r>
+              <a:r>
+                <a:rPr lang="ko-KR" altLang="en-US" sz="1200" dirty="0" smtClean="0"/>
+                <a:t>옵션</a:t>
               </a:r>
               <a:endParaRPr lang="ko-KR" altLang="en-US" sz="900" dirty="0"/>
             </a:p>
@@ -9559,7 +9606,23 @@
                     <a:schemeClr val="tx1"/>
                   </a:solidFill>
                 </a:rPr>
-                <a:t>투자 옵션 추가하기</a:t>
+                <a:t>투자 </a:t>
+              </a:r>
+              <a:r>
+                <a:rPr lang="ko-KR" altLang="en-US" sz="1000" dirty="0" smtClean="0">
+                  <a:solidFill>
+                    <a:schemeClr val="tx1"/>
+                  </a:solidFill>
+                </a:rPr>
+                <a:t>옵션 </a:t>
+              </a:r>
+              <a:r>
+                <a:rPr lang="ko-KR" altLang="en-US" sz="1000" dirty="0" smtClean="0">
+                  <a:solidFill>
+                    <a:schemeClr val="tx1"/>
+                  </a:solidFill>
+                </a:rPr>
+                <a:t>추가하기</a:t>
               </a:r>
               <a:endParaRPr lang="ko-KR" altLang="en-US" sz="1000" dirty="0">
                 <a:solidFill>
@@ -9776,7 +9839,7 @@
           <p:nvPr>
             <p:extLst>
               <p:ext uri="{D42A27DB-BD31-4B8C-83A1-F6EECF244321}">
-                <p14:modId xmlns:p14="http://schemas.microsoft.com/office/powerpoint/2010/main" val="1232833306"/>
+                <p14:modId xmlns:p14="http://schemas.microsoft.com/office/powerpoint/2010/main" val="2569963092"/>
               </p:ext>
             </p:extLst>
           </p:nvPr>
@@ -9911,7 +9974,7 @@
                             <a:schemeClr val="dk1"/>
                           </a:solidFill>
                         </a:rPr>
-                        <a:t>user_m_hj_make_project</a:t>
+                        <a:t>user_w_hj_make_project</a:t>
                       </a:r>
                       <a:endParaRPr sz="1100" b="0" u="none" strike="noStrike" cap="none" dirty="0">
                         <a:solidFill>
@@ -10682,6 +10745,11 @@
               </a:rPr>
               <a:t>품</a:t>
             </a:r>
+            <a:endParaRPr lang="ko-KR" altLang="en-US" sz="1200" b="1" dirty="0">
+              <a:solidFill>
+                <a:srgbClr val="FF0000"/>
+              </a:solidFill>
+            </a:endParaRPr>
           </a:p>
         </p:txBody>
       </p:sp>
@@ -11451,7 +11519,11 @@
             <a:p>
               <a:r>
                 <a:rPr lang="ko-KR" altLang="en-US" sz="1200" dirty="0" smtClean="0"/>
-                <a:t>등록된 투자상</a:t>
+                <a:t>등록된 </a:t>
+              </a:r>
+              <a:r>
+                <a:rPr lang="ko-KR" altLang="en-US" sz="1200" dirty="0" smtClean="0"/>
+                <a:t>투자상</a:t>
               </a:r>
               <a:r>
                 <a:rPr lang="ko-KR" altLang="en-US" sz="1200" dirty="0"/>
@@ -11719,7 +11791,7 @@
           <p:nvPr>
             <p:extLst>
               <p:ext uri="{D42A27DB-BD31-4B8C-83A1-F6EECF244321}">
-                <p14:modId xmlns:p14="http://schemas.microsoft.com/office/powerpoint/2010/main" val="3825546860"/>
+                <p14:modId xmlns:p14="http://schemas.microsoft.com/office/powerpoint/2010/main" val="2569963092"/>
               </p:ext>
             </p:extLst>
           </p:nvPr>
@@ -11854,7 +11926,7 @@
                             <a:schemeClr val="dk1"/>
                           </a:solidFill>
                         </a:rPr>
-                        <a:t>user_m_hj_make_project</a:t>
+                        <a:t>user_w_hj_make_project</a:t>
                       </a:r>
                       <a:endParaRPr sz="1100" b="0" u="none" strike="noStrike" cap="none" dirty="0">
                         <a:solidFill>
@@ -12617,6 +12689,7 @@
               <a:rPr lang="ko-KR" altLang="en-US" sz="1200" b="1" dirty="0"/>
               <a:t>품</a:t>
             </a:r>
+            <a:endParaRPr lang="ko-KR" altLang="en-US" sz="1200" b="1" dirty="0"/>
           </a:p>
         </p:txBody>
       </p:sp>
@@ -15103,6 +15176,7 @@
               <a:rPr lang="ko-KR" altLang="en-US" sz="1100" dirty="0"/>
               <a:t>품</a:t>
             </a:r>
+            <a:endParaRPr lang="ko-KR" altLang="en-US" sz="1100" dirty="0"/>
           </a:p>
         </p:txBody>
       </p:sp>
@@ -17511,6 +17585,7 @@
               <a:rPr lang="ko-KR" altLang="en-US" sz="1100" dirty="0"/>
               <a:t>품</a:t>
             </a:r>
+            <a:endParaRPr lang="ko-KR" altLang="en-US" sz="1100" dirty="0"/>
           </a:p>
         </p:txBody>
       </p:sp>
@@ -19575,7 +19650,11 @@
                       </a:r>
                       <a:r>
                         <a:rPr lang="ko-KR" altLang="en-US" sz="1300" b="0" u="none" strike="noStrike" cap="none" dirty="0" smtClean="0"/>
-                        <a:t>투자 금액</a:t>
+                        <a:t>투자 </a:t>
+                      </a:r>
+                      <a:r>
+                        <a:rPr lang="ko-KR" altLang="en-US" sz="1300" b="0" u="none" strike="noStrike" cap="none" dirty="0" smtClean="0"/>
+                        <a:t>금액</a:t>
                       </a:r>
                       <a:r>
                         <a:rPr lang="en-US" altLang="ko-KR" sz="1300" b="0" u="none" strike="noStrike" cap="none" dirty="0" smtClean="0"/>
@@ -19602,7 +19681,11 @@
                       </a:pPr>
                       <a:r>
                         <a:rPr lang="ko-KR" altLang="en-US" sz="1300" b="0" u="none" strike="noStrike" cap="none" dirty="0" smtClean="0"/>
-                        <a:t>투자 상품 제목</a:t>
+                        <a:t>투자 상품 </a:t>
+                      </a:r>
+                      <a:r>
+                        <a:rPr lang="ko-KR" altLang="en-US" sz="1300" b="0" u="none" strike="noStrike" cap="none" dirty="0" smtClean="0"/>
+                        <a:t>제목</a:t>
                       </a:r>
                       <a:r>
                         <a:rPr lang="en-US" altLang="ko-KR" sz="1300" b="0" u="none" strike="noStrike" cap="none" dirty="0" smtClean="0"/>
@@ -19629,7 +19712,11 @@
                       </a:pPr>
                       <a:r>
                         <a:rPr lang="ko-KR" altLang="en-US" sz="1300" b="0" u="none" strike="noStrike" cap="none" dirty="0" smtClean="0"/>
-                        <a:t>투자 상품 내용</a:t>
+                        <a:t>투자 상품 </a:t>
+                      </a:r>
+                      <a:r>
+                        <a:rPr lang="ko-KR" altLang="en-US" sz="1300" b="0" u="none" strike="noStrike" cap="none" dirty="0" smtClean="0"/>
+                        <a:t>내용</a:t>
                       </a:r>
                       <a:r>
                         <a:rPr lang="en-US" altLang="ko-KR" sz="1300" b="0" u="none" strike="noStrike" cap="none" dirty="0" smtClean="0"/>
@@ -19658,6 +19745,7 @@
                         <a:rPr lang="en-US" altLang="ko-KR" sz="1300" b="0" u="none" strike="noStrike" cap="none" dirty="0" smtClean="0"/>
                         <a:t>)</a:t>
                       </a:r>
+                      <a:endParaRPr lang="en-US" altLang="ko-KR" sz="1300" b="0" u="none" strike="noStrike" cap="none" dirty="0" smtClean="0"/>
                     </a:p>
                   </a:txBody>
                   <a:tcPr marL="74304" marR="74304" marT="45725" marB="45725">
@@ -20103,7 +20191,15 @@
           <a:p>
             <a:r>
               <a:rPr lang="ko-KR" altLang="en-US" sz="1200" dirty="0" smtClean="0"/>
-              <a:t>투자 상품을 구성해주세요</a:t>
+              <a:t>투자 상품을</a:t>
+            </a:r>
+            <a:r>
+              <a:rPr lang="ko-KR" altLang="en-US" sz="1200" dirty="0" smtClean="0"/>
+              <a:t> </a:t>
+            </a:r>
+            <a:r>
+              <a:rPr lang="ko-KR" altLang="en-US" sz="1200" dirty="0" smtClean="0"/>
+              <a:t>구성해주세요</a:t>
             </a:r>
             <a:endParaRPr lang="ko-KR" altLang="en-US" sz="900" dirty="0"/>
           </a:p>
@@ -20273,7 +20369,11 @@
           <a:p>
             <a:r>
               <a:rPr lang="ko-KR" altLang="en-US" sz="1200" dirty="0" smtClean="0"/>
-              <a:t>투자 내용</a:t>
+              <a:t>투자 </a:t>
+            </a:r>
+            <a:r>
+              <a:rPr lang="ko-KR" altLang="en-US" sz="1200" dirty="0" smtClean="0"/>
+              <a:t>내용</a:t>
             </a:r>
             <a:endParaRPr lang="ko-KR" altLang="en-US" sz="900" dirty="0"/>
           </a:p>
@@ -20964,7 +21064,15 @@
           <a:p>
             <a:r>
               <a:rPr lang="ko-KR" altLang="en-US" sz="1200" dirty="0" smtClean="0"/>
-              <a:t>투자 금액</a:t>
+              <a:t>투자</a:t>
+            </a:r>
+            <a:r>
+              <a:rPr lang="ko-KR" altLang="en-US" sz="1200" dirty="0" smtClean="0"/>
+              <a:t> </a:t>
+            </a:r>
+            <a:r>
+              <a:rPr lang="ko-KR" altLang="en-US" sz="1200" dirty="0" smtClean="0"/>
+              <a:t>금액</a:t>
             </a:r>
             <a:endParaRPr lang="ko-KR" altLang="en-US" sz="900" dirty="0"/>
           </a:p>
@@ -21084,7 +21192,15 @@
                   <a:schemeClr val="tx1"/>
                 </a:solidFill>
               </a:rPr>
-              <a:t>옵션 추가하기</a:t>
+              <a:t>옵션 </a:t>
+            </a:r>
+            <a:r>
+              <a:rPr lang="ko-KR" altLang="en-US" sz="1000" dirty="0" smtClean="0">
+                <a:solidFill>
+                  <a:schemeClr val="tx1"/>
+                </a:solidFill>
+              </a:rPr>
+              <a:t>추가하기</a:t>
             </a:r>
             <a:endParaRPr lang="ko-KR" altLang="en-US" sz="1000" dirty="0">
               <a:solidFill>
@@ -21126,7 +21242,11 @@
             </a:r>
             <a:r>
               <a:rPr lang="ko-KR" altLang="en-US" sz="1200" dirty="0" smtClean="0"/>
-              <a:t> 옵션</a:t>
+              <a:t> </a:t>
+            </a:r>
+            <a:r>
+              <a:rPr lang="ko-KR" altLang="en-US" sz="1200" dirty="0" smtClean="0"/>
+              <a:t>옵션</a:t>
             </a:r>
             <a:endParaRPr lang="ko-KR" altLang="en-US" sz="900" dirty="0"/>
           </a:p>
@@ -22006,7 +22126,11 @@
                       </a:r>
                       <a:r>
                         <a:rPr lang="ko-KR" altLang="en-US" sz="1300" b="0" u="none" strike="noStrike" cap="none" dirty="0" smtClean="0"/>
-                        <a:t>등록된 투자상품</a:t>
+                        <a:t>등록된 </a:t>
+                      </a:r>
+                      <a:r>
+                        <a:rPr lang="ko-KR" altLang="en-US" sz="1300" b="0" u="none" strike="noStrike" cap="none" dirty="0" smtClean="0"/>
+                        <a:t>투자상품</a:t>
                       </a:r>
                       <a:endParaRPr lang="en-US" altLang="ko-KR" sz="1300" b="0" u="none" strike="noStrike" cap="none" dirty="0" smtClean="0"/>
                     </a:p>
@@ -22499,7 +22623,11 @@
             <a:p>
               <a:r>
                 <a:rPr lang="ko-KR" altLang="en-US" sz="1200" dirty="0" smtClean="0"/>
-                <a:t>등록된 투자상</a:t>
+                <a:t>등록된 </a:t>
+              </a:r>
+              <a:r>
+                <a:rPr lang="ko-KR" altLang="en-US" sz="1200" dirty="0" smtClean="0"/>
+                <a:t>투자상</a:t>
               </a:r>
               <a:r>
                 <a:rPr lang="ko-KR" altLang="en-US" sz="1200" dirty="0"/>
@@ -24344,6 +24472,7 @@
               <a:rPr lang="ko-KR" altLang="en-US" sz="1100" dirty="0"/>
               <a:t>품</a:t>
             </a:r>
+            <a:endParaRPr lang="ko-KR" altLang="en-US" sz="1100" dirty="0"/>
           </a:p>
         </p:txBody>
       </p:sp>
@@ -25575,7 +25704,7 @@
           <p:nvPr>
             <p:extLst>
               <p:ext uri="{D42A27DB-BD31-4B8C-83A1-F6EECF244321}">
-                <p14:modId xmlns:p14="http://schemas.microsoft.com/office/powerpoint/2010/main" val="4116374263"/>
+                <p14:modId xmlns:p14="http://schemas.microsoft.com/office/powerpoint/2010/main" val="4163716661"/>
               </p:ext>
             </p:extLst>
           </p:nvPr>
@@ -25710,7 +25839,7 @@
                             <a:schemeClr val="dk1"/>
                           </a:solidFill>
                         </a:rPr>
-                        <a:t>user_m_hj_make_invest</a:t>
+                        <a:t>user_w_hj_make_invest</a:t>
                       </a:r>
                       <a:endParaRPr sz="1100" b="0" u="none" strike="noStrike" cap="none" dirty="0">
                         <a:solidFill>
@@ -27115,6 +27244,7 @@
               <a:rPr lang="ko-KR" altLang="en-US" sz="1200" b="1" dirty="0"/>
               <a:t>품</a:t>
             </a:r>
+            <a:endParaRPr lang="ko-KR" altLang="en-US" sz="1200" b="1" dirty="0"/>
           </a:p>
         </p:txBody>
       </p:sp>
@@ -27968,7 +28098,7 @@
           <p:nvPr>
             <p:extLst>
               <p:ext uri="{D42A27DB-BD31-4B8C-83A1-F6EECF244321}">
-                <p14:modId xmlns:p14="http://schemas.microsoft.com/office/powerpoint/2010/main" val="3104689755"/>
+                <p14:modId xmlns:p14="http://schemas.microsoft.com/office/powerpoint/2010/main" val="2627309010"/>
               </p:ext>
             </p:extLst>
           </p:nvPr>
@@ -28103,7 +28233,7 @@
                             <a:schemeClr val="dk1"/>
                           </a:solidFill>
                         </a:rPr>
-                        <a:t>user_m_hj_make_invest</a:t>
+                        <a:t>user_w_hj_make_invest</a:t>
                       </a:r>
                       <a:endParaRPr sz="1100" b="0" u="none" strike="noStrike" cap="none" dirty="0">
                         <a:solidFill>
@@ -30285,7 +30415,7 @@
           <p:nvPr>
             <p:extLst>
               <p:ext uri="{D42A27DB-BD31-4B8C-83A1-F6EECF244321}">
-                <p14:modId xmlns:p14="http://schemas.microsoft.com/office/powerpoint/2010/main" val="2498763366"/>
+                <p14:modId xmlns:p14="http://schemas.microsoft.com/office/powerpoint/2010/main" val="1519205950"/>
               </p:ext>
             </p:extLst>
           </p:nvPr>
@@ -30420,7 +30550,7 @@
                             <a:schemeClr val="dk1"/>
                           </a:solidFill>
                         </a:rPr>
-                        <a:t>user_m_hj_make_invest</a:t>
+                        <a:t>user_w_hj_make_invest</a:t>
                       </a:r>
                       <a:endParaRPr sz="1100" b="0" u="none" strike="noStrike" cap="none" dirty="0">
                         <a:solidFill>
